--- a/lectures/lecture-24/Lecture-Live B00/Lecture 24 - Lecture.pptx
+++ b/lectures/lecture-24/Lecture-Live B00/Lecture 24 - Lecture.pptx
@@ -143,6 +143,262 @@
     </p:ext>
   </p:extLst>
 </p:presentation>
+</file>
+
+<file path=ppt/ink/ink1.xml><?xml version="1.0" encoding="utf-8"?>
+<inkml:ink xmlns:inkml="http://www.w3.org/2003/InkML">
+  <inkml:definitions>
+    <inkml:context xml:id="ctx0">
+      <inkml:inkSource xml:id="inkSrc0">
+        <inkml:traceFormat>
+          <inkml:channel name="X" type="integer" min="-2.14748E9" max="2.14748E9" units="cm"/>
+          <inkml:channel name="Y" type="integer" min="-2.14748E9" max="2.14748E9" units="cm"/>
+          <inkml:channel name="F" type="integer" max="32767" units="dev"/>
+          <inkml:channel name="OA" type="integer" max="360" units="deg"/>
+          <inkml:channel name="OE" type="integer" max="90" units="deg"/>
+        </inkml:traceFormat>
+        <inkml:channelProperties>
+          <inkml:channelProperty channel="X" name="resolution" value="1000" units="1/cm"/>
+          <inkml:channelProperty channel="Y" name="resolution" value="1000" units="1/cm"/>
+          <inkml:channelProperty channel="F" name="resolution" value="0" units="1/dev"/>
+          <inkml:channelProperty channel="OA" name="resolution" value="1000" units="1/deg"/>
+          <inkml:channelProperty channel="OE" name="resolution" value="1000" units="1/deg"/>
+        </inkml:channelProperties>
+      </inkml:inkSource>
+      <inkml:timestamp xml:id="ts0" timeString="2020-12-04T18:00:28.763"/>
+    </inkml:context>
+    <inkml:brush xml:id="br0">
+      <inkml:brushProperty name="width" value="0.05" units="cm"/>
+      <inkml:brushProperty name="height" value="0.05" units="cm"/>
+      <inkml:brushProperty name="color" value="#004F8B"/>
+    </inkml:brush>
+  </inkml:definitions>
+  <inkml:trace contextRef="#ctx0" brushRef="#br0">14 1 6448 0 0,'-13'6'12247'0'0,"27"6"-11717"0"0,0 0-1 0 0,0-1 1 0 0,2-1-1 0 0,-1 0 0 0 0,1-1 1 0 0,1-1-1 0 0,0 0 1 0 0,0-1-1 0 0,23 6 0 0 0,-6-4-222 0 0,0-2 0 0 0,1-1 0 0 0,70 3 0 0 0,145-12 1013 0 0,-140-1-906 0 0,126 5 267 0 0,-162 3-409 0 0,86 16-1 0 0,-143-17-233 0 0,185 42 428 0 0,-85-8-186 0 0,-88-28-80 0 0,1-2 0 0 0,0-1 0 0 0,44 4 0 0 0,-62-10-91 0 0,1 0 0 0 0,20-3-1 0 0,-7 0 38 0 0,-17 1-76 0 0,0 1 0 0 0,0-1 0 0 0,16-6 1 0 0,-17 5-50 0 0,1 0 1 0 0,0 1 0 0 0,15-2 0 0 0,4-1 66 0 0,-23 3-72 0 0,0 1 0 0 0,1 0-1 0 0,-1 1 1 0 0,0-1 0 0 0,0 1 0 0 0,0 0 0 0 0,1 0 0 0 0,9 2 0 0 0,-10 0-75 0 0,-4-2 132 0 0,-1 2-632 0 0,1-1 325 0 0,-1 1 1 0 0,0-1 0 0 0,1 1 0 0 0,-1 0-1 0 0,0-1 1 0 0,0 1 0 0 0,0 2 0 0 0,0-3-4 0 0,-1 4-1311 0 0,-4 2-335 0 0</inkml:trace>
+</inkml:ink>
+</file>
+
+<file path=ppt/ink/ink2.xml><?xml version="1.0" encoding="utf-8"?>
+<inkml:ink xmlns:inkml="http://www.w3.org/2003/InkML">
+  <inkml:definitions>
+    <inkml:context xml:id="ctx0">
+      <inkml:inkSource xml:id="inkSrc0">
+        <inkml:traceFormat>
+          <inkml:channel name="X" type="integer" min="-2.14748E9" max="2.14748E9" units="cm"/>
+          <inkml:channel name="Y" type="integer" min="-2.14748E9" max="2.14748E9" units="cm"/>
+          <inkml:channel name="F" type="integer" max="32767" units="dev"/>
+          <inkml:channel name="OA" type="integer" max="360" units="deg"/>
+          <inkml:channel name="OE" type="integer" max="90" units="deg"/>
+        </inkml:traceFormat>
+        <inkml:channelProperties>
+          <inkml:channelProperty channel="X" name="resolution" value="1000" units="1/cm"/>
+          <inkml:channelProperty channel="Y" name="resolution" value="1000" units="1/cm"/>
+          <inkml:channelProperty channel="F" name="resolution" value="0" units="1/dev"/>
+          <inkml:channelProperty channel="OA" name="resolution" value="1000" units="1/deg"/>
+          <inkml:channelProperty channel="OE" name="resolution" value="1000" units="1/deg"/>
+        </inkml:channelProperties>
+      </inkml:inkSource>
+      <inkml:timestamp xml:id="ts0" timeString="2020-12-04T18:00:31.412"/>
+    </inkml:context>
+    <inkml:brush xml:id="br0">
+      <inkml:brushProperty name="width" value="0.05" units="cm"/>
+      <inkml:brushProperty name="height" value="0.05" units="cm"/>
+      <inkml:brushProperty name="color" value="#004F8B"/>
+    </inkml:brush>
+  </inkml:definitions>
+  <inkml:trace contextRef="#ctx0" brushRef="#br0">118 55 4144 0 0,'-5'1'136'0'0,"2"0"-64"0"0,0-1-1 0 0,0 1 1 0 0,0-1-1 0 0,0 0 1 0 0,0 0 0 0 0,0 0-1 0 0,0 0 1 0 0,0-1 0 0 0,0 1-1 0 0,0-1 1 0 0,1 1 0 0 0,-1-1-1 0 0,0 0 1 0 0,-5-3 0 0 0,3 1 606 0 0,-43-29 4554 0 0,47 31-4917 0 0,0 1 0 0 0,1-1 0 0 0,-1 0 0 0 0,0 1 0 0 0,1-1 0 0 0,-1 0 0 0 0,0 1 0 0 0,1-1 0 0 0,-1 0 1 0 0,1 0-1 0 0,-4-6 5944 0 0,6 7-5834 0 0,6 1-112 0 0,0-1-1 0 0,-1 1 1 0 0,1 1 0 0 0,0-1-1 0 0,-1 1 1 0 0,13 6-1 0 0,-5-3-19 0 0,0-1-1 0 0,19 4 0 0 0,0 0 50 0 0,38 10 253 0 0,1-3 0 0 0,76 5 0 0 0,-130-19-506 0 0,558 27 1830 0 0,-204-48-879 0 0,-54 2-312 0 0,-244 14-491 0 0,-25 1 33 0 0,62 4-1 0 0,-14 10 227 0 0,-97-11-481 0 0,1 0 0 0 0,-1-1 0 0 0,0 1 0 0 0,0-1 1 0 0,0 1-1 0 0,0-1 0 0 0,0 0 0 0 0,0 1 0 0 0,0-1 0 0 0,0 0 0 0 0,-1 1 0 0 0,1-1 0 0 0,0 0 1 0 0,0 0-1 0 0,-1 0 0 0 0,1 0 0 0 0,1-2 0 0 0,-1 0-17 0 0,0 0 0 0 0,1 0 1 0 0,-1 1-1 0 0,-1-2 0 0 0,1 1 0 0 0,0 0 1 0 0,-1 0-1 0 0,1-4 0 0 0,-1 6-89 0 0,1-7-574 0 0</inkml:trace>
+</inkml:ink>
+</file>
+
+<file path=ppt/ink/ink3.xml><?xml version="1.0" encoding="utf-8"?>
+<inkml:ink xmlns:inkml="http://www.w3.org/2003/InkML">
+  <inkml:definitions>
+    <inkml:context xml:id="ctx0">
+      <inkml:inkSource xml:id="inkSrc0">
+        <inkml:traceFormat>
+          <inkml:channel name="X" type="integer" min="-2.14748E9" max="2.14748E9" units="cm"/>
+          <inkml:channel name="Y" type="integer" min="-2.14748E9" max="2.14748E9" units="cm"/>
+          <inkml:channel name="F" type="integer" max="32767" units="dev"/>
+          <inkml:channel name="OA" type="integer" max="360" units="deg"/>
+          <inkml:channel name="OE" type="integer" max="90" units="deg"/>
+        </inkml:traceFormat>
+        <inkml:channelProperties>
+          <inkml:channelProperty channel="X" name="resolution" value="1000" units="1/cm"/>
+          <inkml:channelProperty channel="Y" name="resolution" value="1000" units="1/cm"/>
+          <inkml:channelProperty channel="F" name="resolution" value="0" units="1/dev"/>
+          <inkml:channelProperty channel="OA" name="resolution" value="1000" units="1/deg"/>
+          <inkml:channelProperty channel="OE" name="resolution" value="1000" units="1/deg"/>
+        </inkml:channelProperties>
+      </inkml:inkSource>
+      <inkml:timestamp xml:id="ts0" timeString="2020-12-04T18:00:33.967"/>
+    </inkml:context>
+    <inkml:brush xml:id="br0">
+      <inkml:brushProperty name="width" value="0.05" units="cm"/>
+      <inkml:brushProperty name="height" value="0.05" units="cm"/>
+      <inkml:brushProperty name="color" value="#004F8B"/>
+    </inkml:brush>
+  </inkml:definitions>
+  <inkml:trace contextRef="#ctx0" brushRef="#br0">46 138 9760 0 0,'-16'-5'545'0'0,"15"4"-493"0"0,-1 0 1 0 0,0 1-1 0 0,1-1 0 0 0,-1 0 0 0 0,1 1 1 0 0,-1 0-1 0 0,0-1 0 0 0,-2 1 1 0 0,-9-2 2250 0 0,22-2 1391 0 0,-3 2-2820 0 0,116-52 1894 0 0,-93 42-2380 0 0,2 2-1 0 0,-1 1 1 0 0,42-6-1 0 0,97-2 534 0 0,-31 15 92 0 0,247 27 1 0 0,-314-16-480 0 0,98 26 1 0 0,-152-30-408 0 0,1-1-1 0 0,0-1 1 0 0,0-1 0 0 0,26 0-1 0 0,-43-2-98 0 0,-1-1 0 0 0,1 1-1 0 0,-1-1 1 0 0,1 1 0 0 0,-1 0 0 0 0,1-1-1 0 0,-1 1 1 0 0,0-1 0 0 0,1 1-1 0 0,-1-1 1 0 0,0 1 0 0 0,1-1 0 0 0,-1 1-1 0 0,0-1 1 0 0,0 0 0 0 0,1 1 0 0 0,-1-1-1 0 0,0 1 1 0 0,0-1 0 0 0,0 0 0 0 0,0 1-1 0 0,0-1 1 0 0,0 0 0 0 0,0 0-1 0 0,0-9-1544 0 0</inkml:trace>
+</inkml:ink>
+</file>
+
+<file path=ppt/ink/ink4.xml><?xml version="1.0" encoding="utf-8"?>
+<inkml:ink xmlns:inkml="http://www.w3.org/2003/InkML">
+  <inkml:definitions>
+    <inkml:context xml:id="ctx0">
+      <inkml:inkSource xml:id="inkSrc0">
+        <inkml:traceFormat>
+          <inkml:channel name="X" type="integer" min="-2.14748E9" max="2.14748E9" units="cm"/>
+          <inkml:channel name="Y" type="integer" min="-2.14748E9" max="2.14748E9" units="cm"/>
+          <inkml:channel name="F" type="integer" max="32767" units="dev"/>
+          <inkml:channel name="OA" type="integer" max="360" units="deg"/>
+          <inkml:channel name="OE" type="integer" max="90" units="deg"/>
+        </inkml:traceFormat>
+        <inkml:channelProperties>
+          <inkml:channelProperty channel="X" name="resolution" value="1000" units="1/cm"/>
+          <inkml:channelProperty channel="Y" name="resolution" value="1000" units="1/cm"/>
+          <inkml:channelProperty channel="F" name="resolution" value="0" units="1/dev"/>
+          <inkml:channelProperty channel="OA" name="resolution" value="1000" units="1/deg"/>
+          <inkml:channelProperty channel="OE" name="resolution" value="1000" units="1/deg"/>
+        </inkml:channelProperties>
+      </inkml:inkSource>
+      <inkml:timestamp xml:id="ts0" timeString="2020-12-04T18:00:39.941"/>
+    </inkml:context>
+    <inkml:brush xml:id="br0">
+      <inkml:brushProperty name="width" value="0.05" units="cm"/>
+      <inkml:brushProperty name="height" value="0.05" units="cm"/>
+      <inkml:brushProperty name="color" value="#004F8B"/>
+    </inkml:brush>
+  </inkml:definitions>
+  <inkml:trace contextRef="#ctx0" brushRef="#br0">0 47 5528 0 0,'0'0'733'0'0,"6"-1"1710"0"0,6-3 211 0 0,3 0-1982 0 0,0 1 0 0 0,0 0-1 0 0,0 1 1 0 0,0 1 0 0 0,0 0-1 0 0,19 2 1 0 0,-7 0 269 0 0,22-3 88 0 0,81-12 0 0 0,-39 5-235 0 0,-57 6-1046 0 0,-1 2 816 0 0,0 1 0 0 0,37 6 0 0 0,-3-1-283 0 0,-25 1-135 0 0,-30-3-88 0 0,0-2 1 0 0,14 1-1 0 0,282 6 1466 0 0,-267-5-1466 0 0,-25-2-25 0 0,22 0 0 0 0,-30-1-33 0 0,1 1 0 0 0,-1 0 0 0 0,1 0 0 0 0,-1 1 0 0 0,15 5 0 0 0,-16-5 0 0 0,1 0 0 0 0,-1 0 0 0 0,1 0 0 0 0,-1-1 0 0 0,1 0 0 0 0,15-1 0 0 0,-5-1 76 0 0,0 1 0 0 0,0 0 0 0 0,0 1 0 0 0,24 5 0 0 0,70 21 477 0 0,3 1 480 0 0,-45-16-705 0 0,130 5 1 0 0,-98-15 45 0 0,1 3-1 0 0,135 26 1 0 0,135 14 562 0 0,-296-38-687 0 0,114 4 429 0 0,34-23-149 0 0,-188 9-526 0 0,7 2 55 0 0,68 6 1 0 0,-110-5-59 0 0,27 3-2073 0 0,-21-2 28 0 0,-1 1 0 0 0,1 0 0 0 0,10 3 0 0 0</inkml:trace>
+</inkml:ink>
+</file>
+
+<file path=ppt/ink/ink5.xml><?xml version="1.0" encoding="utf-8"?>
+<inkml:ink xmlns:inkml="http://www.w3.org/2003/InkML">
+  <inkml:definitions>
+    <inkml:context xml:id="ctx0">
+      <inkml:inkSource xml:id="inkSrc0">
+        <inkml:traceFormat>
+          <inkml:channel name="X" type="integer" min="-2.14748E9" max="2.14748E9" units="cm"/>
+          <inkml:channel name="Y" type="integer" min="-2.14748E9" max="2.14748E9" units="cm"/>
+          <inkml:channel name="F" type="integer" max="32767" units="dev"/>
+          <inkml:channel name="OA" type="integer" max="360" units="deg"/>
+          <inkml:channel name="OE" type="integer" max="90" units="deg"/>
+        </inkml:traceFormat>
+        <inkml:channelProperties>
+          <inkml:channelProperty channel="X" name="resolution" value="1000" units="1/cm"/>
+          <inkml:channelProperty channel="Y" name="resolution" value="1000" units="1/cm"/>
+          <inkml:channelProperty channel="F" name="resolution" value="0" units="1/dev"/>
+          <inkml:channelProperty channel="OA" name="resolution" value="1000" units="1/deg"/>
+          <inkml:channelProperty channel="OE" name="resolution" value="1000" units="1/deg"/>
+        </inkml:channelProperties>
+      </inkml:inkSource>
+      <inkml:timestamp xml:id="ts0" timeString="2020-12-04T18:00:50.531"/>
+    </inkml:context>
+    <inkml:brush xml:id="br0">
+      <inkml:brushProperty name="width" value="0.05" units="cm"/>
+      <inkml:brushProperty name="height" value="0.05" units="cm"/>
+      <inkml:brushProperty name="color" value="#004F8B"/>
+    </inkml:brush>
+  </inkml:definitions>
+  <inkml:trace contextRef="#ctx0" brushRef="#br0">102 1 10136 0 0,'-7'0'174'0'0,"1"1"1"0"0,0 1-1 0 0,0-1 1 0 0,-1 1-1 0 0,1 0 0 0 0,1 0 1 0 0,-1 1-1 0 0,-7 3 1 0 0,6-2 842 0 0,-1 0 1 0 0,0-1-1 0 0,-8 5 4576 0 0,28-6-4286 0 0,14 0-616 0 0,178 1 2902 0 0,231-1-996 0 0,-145 4-1969 0 0,-115 4 211 0 0,-146-6-693 0 0,-23-2-135 0 0,0-1-1 0 0,0 0 1 0 0,0-1-1 0 0,0 1 1 0 0,0-1-1 0 0,1 0 1 0 0,8-2-1 0 0,-15 2-122 0 0,1-1-1 0 0,-1 1 1 0 0,1 0-1 0 0,0-1 1 0 0,-1 1-1 0 0,1-1 1 0 0,-1 1-1 0 0,0 0 1 0 0,1-1-1 0 0,-1 1 0 0 0,1-1 1 0 0,-1 1-1 0 0,0-1 1 0 0,1 0-1 0 0,-1 1 1 0 0,0-1-1 0 0,1 1 1 0 0,-1-1-1 0 0,0 0 1 0 0,0 1-1 0 0,0-1 0 0 0,0 1 1 0 0,1-1-1 0 0,-1 0 1 0 0,0 1-1 0 0,0-1 1 0 0,0 0-1 0 0,0 1 1 0 0,-1-1-1 0 0,1 0 1 0 0,0 1-1 0 0,0-1 0 0 0,0 0 1 0 0,0 1-1 0 0,-1-1 1 0 0,1 1-1 0 0,0-1 1 0 0,-1 0-1 0 0,-2-5-1527 0 0</inkml:trace>
+</inkml:ink>
+</file>
+
+<file path=ppt/ink/ink6.xml><?xml version="1.0" encoding="utf-8"?>
+<inkml:ink xmlns:inkml="http://www.w3.org/2003/InkML">
+  <inkml:definitions>
+    <inkml:context xml:id="ctx0">
+      <inkml:inkSource xml:id="inkSrc0">
+        <inkml:traceFormat>
+          <inkml:channel name="X" type="integer" min="-2.14748E9" max="2.14748E9" units="cm"/>
+          <inkml:channel name="Y" type="integer" min="-2.14748E9" max="2.14748E9" units="cm"/>
+          <inkml:channel name="F" type="integer" max="32767" units="dev"/>
+          <inkml:channel name="OA" type="integer" max="360" units="deg"/>
+          <inkml:channel name="OE" type="integer" max="90" units="deg"/>
+        </inkml:traceFormat>
+        <inkml:channelProperties>
+          <inkml:channelProperty channel="X" name="resolution" value="1000" units="1/cm"/>
+          <inkml:channelProperty channel="Y" name="resolution" value="1000" units="1/cm"/>
+          <inkml:channelProperty channel="F" name="resolution" value="0" units="1/dev"/>
+          <inkml:channelProperty channel="OA" name="resolution" value="1000" units="1/deg"/>
+          <inkml:channelProperty channel="OE" name="resolution" value="1000" units="1/deg"/>
+        </inkml:channelProperties>
+      </inkml:inkSource>
+      <inkml:timestamp xml:id="ts0" timeString="2020-12-04T18:00:51.816"/>
+    </inkml:context>
+    <inkml:brush xml:id="br0">
+      <inkml:brushProperty name="width" value="0.05" units="cm"/>
+      <inkml:brushProperty name="height" value="0.05" units="cm"/>
+      <inkml:brushProperty name="color" value="#004F8B"/>
+    </inkml:brush>
+  </inkml:definitions>
+  <inkml:trace contextRef="#ctx0" brushRef="#br0">56 43 5528 0 0,'0'0'1564'0'0,"-5"-13"4368"0"0,5 11-5390 0 0,0 0 0 0 0,1 0 0 0 0,-1 0-1 0 0,1 0 1 0 0,0 0 0 0 0,-1 0 0 0 0,1 0 0 0 0,2-4 0 0 0,0-2 6211 0 0,3 24-5025 0 0,-4 6-1479 0 0,-1 0 1 0 0,-2 0-1 0 0,0 0 0 0 0,-6 31 1 0 0,3-17-181 0 0,-22 125 13 0 0,4-28-107 0 0,14-45 230 0 0,9-12-112 0 0,0-28-4224 0 0</inkml:trace>
+</inkml:ink>
+</file>
+
+<file path=ppt/ink/ink7.xml><?xml version="1.0" encoding="utf-8"?>
+<inkml:ink xmlns:inkml="http://www.w3.org/2003/InkML">
+  <inkml:definitions>
+    <inkml:context xml:id="ctx0">
+      <inkml:inkSource xml:id="inkSrc0">
+        <inkml:traceFormat>
+          <inkml:channel name="X" type="integer" min="-2.14748E9" max="2.14748E9" units="cm"/>
+          <inkml:channel name="Y" type="integer" min="-2.14748E9" max="2.14748E9" units="cm"/>
+          <inkml:channel name="F" type="integer" max="32767" units="dev"/>
+          <inkml:channel name="OA" type="integer" max="360" units="deg"/>
+          <inkml:channel name="OE" type="integer" max="90" units="deg"/>
+        </inkml:traceFormat>
+        <inkml:channelProperties>
+          <inkml:channelProperty channel="X" name="resolution" value="1000" units="1/cm"/>
+          <inkml:channelProperty channel="Y" name="resolution" value="1000" units="1/cm"/>
+          <inkml:channelProperty channel="F" name="resolution" value="0" units="1/dev"/>
+          <inkml:channelProperty channel="OA" name="resolution" value="1000" units="1/deg"/>
+          <inkml:channelProperty channel="OE" name="resolution" value="1000" units="1/deg"/>
+        </inkml:channelProperties>
+      </inkml:inkSource>
+      <inkml:timestamp xml:id="ts0" timeString="2020-12-04T18:00:52.148"/>
+    </inkml:context>
+    <inkml:brush xml:id="br0">
+      <inkml:brushProperty name="width" value="0.05" units="cm"/>
+      <inkml:brushProperty name="height" value="0.05" units="cm"/>
+      <inkml:brushProperty name="color" value="#004F8B"/>
+    </inkml:brush>
+  </inkml:definitions>
+  <inkml:trace contextRef="#ctx0" brushRef="#br0">1 212 6448 0 0,'20'-39'3213'0'0,"2"-3"5332"0"0,-2 16-6537 0 0,-3 7 611 0 0,31-26-1 0 0,-42 40-2391 0 0,1 0 1 0 0,0 1-1 0 0,0 0 0 0 0,0 0 0 0 0,0 0 0 0 0,1 1 1 0 0,-1 0-1 0 0,1 0 0 0 0,9-1 0 0 0,-12 3-203 0 0,0 1 0 0 0,0 0 0 0 0,0 0 0 0 0,0 0 0 0 0,0 1 0 0 0,-1 0 0 0 0,1 0-1 0 0,0 0 1 0 0,0 0 0 0 0,5 3 0 0 0,-1 0 25 0 0,-1-1 0 0 0,0 2 0 0 0,0-1 0 0 0,13 10 0 0 0,-15-8-49 0 0,0 1 0 0 0,0 0 0 0 0,-1 0 0 0 0,7 11 0 0 0,-8-13 0 0 0,-2 0-7 0 0,1 0 1 0 0,-1 0-1 0 0,1 0 0 0 0,-1 0 0 0 0,-1 0 0 0 0,1 1 1 0 0,-1-1-1 0 0,0 1 0 0 0,1 9 0 0 0,-2-4-30 0 0,0 0 0 0 0,-1 0 0 0 0,-3 22 0 0 0,-18 78-803 0 0,19-86-1745 0 0,0-14 1034 0 0</inkml:trace>
+</inkml:ink>
+</file>
+
+<file path=ppt/ink/ink8.xml><?xml version="1.0" encoding="utf-8"?>
+<inkml:ink xmlns:inkml="http://www.w3.org/2003/InkML">
+  <inkml:definitions>
+    <inkml:context xml:id="ctx0">
+      <inkml:inkSource xml:id="inkSrc0">
+        <inkml:traceFormat>
+          <inkml:channel name="X" type="integer" min="-2.14748E9" max="2.14748E9" units="cm"/>
+          <inkml:channel name="Y" type="integer" min="-2.14748E9" max="2.14748E9" units="cm"/>
+          <inkml:channel name="F" type="integer" max="32767" units="dev"/>
+          <inkml:channel name="OA" type="integer" max="360" units="deg"/>
+          <inkml:channel name="OE" type="integer" max="90" units="deg"/>
+        </inkml:traceFormat>
+        <inkml:channelProperties>
+          <inkml:channelProperty channel="X" name="resolution" value="1000" units="1/cm"/>
+          <inkml:channelProperty channel="Y" name="resolution" value="1000" units="1/cm"/>
+          <inkml:channelProperty channel="F" name="resolution" value="0" units="1/dev"/>
+          <inkml:channelProperty channel="OA" name="resolution" value="1000" units="1/deg"/>
+          <inkml:channelProperty channel="OE" name="resolution" value="1000" units="1/deg"/>
+        </inkml:channelProperties>
+      </inkml:inkSource>
+      <inkml:timestamp xml:id="ts0" timeString="2020-12-04T18:01:02.541"/>
+    </inkml:context>
+    <inkml:brush xml:id="br0">
+      <inkml:brushProperty name="width" value="0.05" units="cm"/>
+      <inkml:brushProperty name="height" value="0.05" units="cm"/>
+      <inkml:brushProperty name="color" value="#004F8B"/>
+    </inkml:brush>
+  </inkml:definitions>
+  <inkml:trace contextRef="#ctx0" brushRef="#br0">29 102 2304 0 0,'0'0'312'0'0,"-16"-6"2788"0"0,11-2-2936 0 0,0 1 4610 0 0,5 7-4627 0 0,-1 0-1 0 0,1 0 1 0 0,0 1 0 0 0,0-1 0 0 0,-1 1-1 0 0,1-1 1 0 0,0 0 0 0 0,0 1-1 0 0,0-1 1 0 0,0 0 0 0 0,-1 1 0 0 0,1-1-1 0 0,0 1 1 0 0,0-1 0 0 0,0 0 0 0 0,0 1-1 0 0,0-1 1 0 0,0 1 0 0 0,0-1 0 0 0,0 0-1 0 0,0 1 1 0 0,0-1 0 0 0,0 1-1 0 0,0-1 1 0 0,1 1 0 0 0,-1 1 45 0 0,0 0 0 0 0,0 0 0 0 0,0 0 0 0 0,0 0 0 0 0,1 0 0 0 0,-1 0-1 0 0,1 0 1 0 0,-1 0 0 0 0,1 0 0 0 0,0-1 0 0 0,0 1 0 0 0,0 0 0 0 0,0 0 0 0 0,0-1 0 0 0,0 1 0 0 0,0-1 0 0 0,0 1 0 0 0,1-1 0 0 0,-1 1 0 0 0,1-1 0 0 0,-1 0-1 0 0,3 2 1 0 0,-2-2-87 0 0,0-1-1 0 0,-1 1 1 0 0,1-1-1 0 0,0 1 1 0 0,0-1-1 0 0,0 0 0 0 0,4 1 1 0 0,-1-1 55 0 0,14 1 43 0 0,1 0-1 0 0,30-4 0 0 0,4 0 121 0 0,109 11 947 0 0,1 9-336 0 0,-117-11-793 0 0,-32-3-50 0 0,30 1-1 0 0,132 1 110 0 0,-58 1 195 0 0,-46-1-206 0 0,-23-1-347 0 0,14 1-112 0 0,35-1 248 0 0,-55-1 23 0 0,45-2 0 0 0,52-6 240 0 0,62-5-75 0 0,-130 8 83 0 0,-17 1-55 0 0,195-6 686 0 0,-155-5-426 0 0,57 1 157 0 0,-126 8-519 0 0,117-8 375 0 0,52-12 231 0 0,-137 14-341 0 0,73-23-1 0 0,-128 31-338 0 0,0-1 0 0 0,-1 0 0 0 0,1 0-1 0 0,0 0 1 0 0,-1 0 0 0 0,1-1-1 0 0,-1 0 1 0 0,0 1 0 0 0,5-6-1 0 0,7-7 25 0 0,-13 14-311 0 0,-1-1-1 0 0,0 0 1 0 0,0 0-1 0 0,0 0 1 0 0,0 0 0 0 0,0 0-1 0 0,-1 0 1 0 0,2-5-1 0 0,-1-3-1618 0 0,-1 10 1865 0 0,0 0 0 0 0,0-1-1 0 0,-1 1 1 0 0,1 0 0 0 0,0 0 0 0 0,0 0 0 0 0,0 0-1 0 0,0 0 1 0 0,0 0 0 0 0,0 0 0 0 0,0 0 0 0 0,0 0-1 0 0,0-1 1 0 0,0 1 0 0 0,0 0 0 0 0,0 0 0 0 0,-1 0-1 0 0,1 0 1 0 0,0 0 0 0 0,0 0 0 0 0,0 0-1 0 0,0 0 1 0 0,0 0 0 0 0,0 0 0 0 0,0 0 0 0 0,-1 0-1 0 0,1 0 1 0 0,0 0 0 0 0,0 0 0 0 0,0 0 0 0 0,0 0-1 0 0,0 0 1 0 0,0 0 0 0 0,0 0 0 0 0,-1 0 0 0 0,1 0-1 0 0,0 0 1 0 0,0 0 0 0 0,0 0 0 0 0,0 0 0 0 0,0 0-1 0 0,0 0 1 0 0,0 0 0 0 0,0 0 0 0 0,-1 0 0 0 0,1 0-1 0 0,0 0 1 0 0,0 1 0 0 0,0-1 0 0 0,0 0-1 0 0,0 0 1 0 0,0 0 0 0 0,0 0 0 0 0,0 0 0 0 0,0 0-1 0 0,0 1 1 0 0,-4 1-1557 0 0</inkml:trace>
+</inkml:ink>
 </file>
 
 <file path=ppt/notesMasters/notesMaster1.xml><?xml version="1.0" encoding="utf-8"?>
@@ -837,7 +1093,7 @@
           <a:p>
             <a:fld id="{3A2BF66F-FEB0-48C1-A8B9-A73F54BB1A08}" type="datetimeFigureOut">
               <a:rPr lang="en-US" smtClean="0"/>
-              <a:t>12/3/2020</a:t>
+              <a:t>12/4/2020</a:t>
             </a:fld>
             <a:endParaRPr lang="en-US"/>
           </a:p>
@@ -1037,7 +1293,7 @@
           <a:p>
             <a:fld id="{3A2BF66F-FEB0-48C1-A8B9-A73F54BB1A08}" type="datetimeFigureOut">
               <a:rPr lang="en-US" smtClean="0"/>
-              <a:t>12/3/2020</a:t>
+              <a:t>12/4/2020</a:t>
             </a:fld>
             <a:endParaRPr lang="en-US"/>
           </a:p>
@@ -1247,7 +1503,7 @@
           <a:p>
             <a:fld id="{3A2BF66F-FEB0-48C1-A8B9-A73F54BB1A08}" type="datetimeFigureOut">
               <a:rPr lang="en-US" smtClean="0"/>
-              <a:t>12/3/2020</a:t>
+              <a:t>12/4/2020</a:t>
             </a:fld>
             <a:endParaRPr lang="en-US"/>
           </a:p>
@@ -1447,7 +1703,7 @@
           <a:p>
             <a:fld id="{3A2BF66F-FEB0-48C1-A8B9-A73F54BB1A08}" type="datetimeFigureOut">
               <a:rPr lang="en-US" smtClean="0"/>
-              <a:t>12/3/2020</a:t>
+              <a:t>12/4/2020</a:t>
             </a:fld>
             <a:endParaRPr lang="en-US"/>
           </a:p>
@@ -1724,7 +1980,7 @@
           <a:p>
             <a:fld id="{3A2BF66F-FEB0-48C1-A8B9-A73F54BB1A08}" type="datetimeFigureOut">
               <a:rPr lang="en-US" smtClean="0"/>
-              <a:t>12/3/2020</a:t>
+              <a:t>12/4/2020</a:t>
             </a:fld>
             <a:endParaRPr lang="en-US"/>
           </a:p>
@@ -1991,7 +2247,7 @@
           <a:p>
             <a:fld id="{3A2BF66F-FEB0-48C1-A8B9-A73F54BB1A08}" type="datetimeFigureOut">
               <a:rPr lang="en-US" smtClean="0"/>
-              <a:t>12/3/2020</a:t>
+              <a:t>12/4/2020</a:t>
             </a:fld>
             <a:endParaRPr lang="en-US"/>
           </a:p>
@@ -2405,7 +2661,7 @@
           <a:p>
             <a:fld id="{3A2BF66F-FEB0-48C1-A8B9-A73F54BB1A08}" type="datetimeFigureOut">
               <a:rPr lang="en-US" smtClean="0"/>
-              <a:t>12/3/2020</a:t>
+              <a:t>12/4/2020</a:t>
             </a:fld>
             <a:endParaRPr lang="en-US"/>
           </a:p>
@@ -2548,7 +2804,7 @@
           <a:p>
             <a:fld id="{3A2BF66F-FEB0-48C1-A8B9-A73F54BB1A08}" type="datetimeFigureOut">
               <a:rPr lang="en-US" smtClean="0"/>
-              <a:t>12/3/2020</a:t>
+              <a:t>12/4/2020</a:t>
             </a:fld>
             <a:endParaRPr lang="en-US"/>
           </a:p>
@@ -2663,7 +2919,7 @@
           <a:p>
             <a:fld id="{3A2BF66F-FEB0-48C1-A8B9-A73F54BB1A08}" type="datetimeFigureOut">
               <a:rPr lang="en-US" smtClean="0"/>
-              <a:t>12/3/2020</a:t>
+              <a:t>12/4/2020</a:t>
             </a:fld>
             <a:endParaRPr lang="en-US"/>
           </a:p>
@@ -2975,7 +3231,7 @@
           <a:p>
             <a:fld id="{3A2BF66F-FEB0-48C1-A8B9-A73F54BB1A08}" type="datetimeFigureOut">
               <a:rPr lang="en-US" smtClean="0"/>
-              <a:t>12/3/2020</a:t>
+              <a:t>12/4/2020</a:t>
             </a:fld>
             <a:endParaRPr lang="en-US"/>
           </a:p>
@@ -3265,7 +3521,7 @@
           <a:p>
             <a:fld id="{3A2BF66F-FEB0-48C1-A8B9-A73F54BB1A08}" type="datetimeFigureOut">
               <a:rPr lang="en-US" smtClean="0"/>
-              <a:t>12/3/2020</a:t>
+              <a:t>12/4/2020</a:t>
             </a:fld>
             <a:endParaRPr lang="en-US"/>
           </a:p>
@@ -3508,7 +3764,7 @@
           <a:p>
             <a:fld id="{3A2BF66F-FEB0-48C1-A8B9-A73F54BB1A08}" type="datetimeFigureOut">
               <a:rPr lang="en-US" smtClean="0"/>
-              <a:t>12/3/2020</a:t>
+              <a:t>12/4/2020</a:t>
             </a:fld>
             <a:endParaRPr lang="en-US"/>
           </a:p>
@@ -4197,6 +4453,384 @@
           </a:p>
         </p:txBody>
       </p:sp>
+      <mc:AlternateContent xmlns:mc="http://schemas.openxmlformats.org/markup-compatibility/2006">
+        <mc:Choice xmlns:p14="http://schemas.microsoft.com/office/powerpoint/2010/main" Requires="p14">
+          <p:contentPart p14:bwMode="auto" r:id="rId2">
+            <p14:nvContentPartPr>
+              <p14:cNvPr id="4" name="Ink 3">
+                <a:extLst>
+                  <a:ext uri="{FF2B5EF4-FFF2-40B4-BE49-F238E27FC236}">
+                    <a16:creationId xmlns:a16="http://schemas.microsoft.com/office/drawing/2014/main" id="{E0B852EF-8F7A-4F4D-B7E0-6DB50B911D67}"/>
+                  </a:ext>
+                </a:extLst>
+              </p14:cNvPr>
+              <p14:cNvContentPartPr/>
+              <p14:nvPr/>
+            </p14:nvContentPartPr>
+            <p14:xfrm>
+              <a:off x="2248849" y="1732219"/>
+              <a:ext cx="718920" cy="98280"/>
+            </p14:xfrm>
+          </p:contentPart>
+        </mc:Choice>
+        <mc:Fallback>
+          <p:pic>
+            <p:nvPicPr>
+              <p:cNvPr id="4" name="Ink 3">
+                <a:extLst>
+                  <a:ext uri="{FF2B5EF4-FFF2-40B4-BE49-F238E27FC236}">
+                    <a16:creationId xmlns:a16="http://schemas.microsoft.com/office/drawing/2014/main" id="{E0B852EF-8F7A-4F4D-B7E0-6DB50B911D67}"/>
+                  </a:ext>
+                </a:extLst>
+              </p:cNvPr>
+              <p:cNvPicPr/>
+              <p:nvPr/>
+            </p:nvPicPr>
+            <p:blipFill>
+              <a:blip r:embed="rId3"/>
+              <a:stretch>
+                <a:fillRect/>
+              </a:stretch>
+            </p:blipFill>
+            <p:spPr>
+              <a:xfrm>
+                <a:off x="2240209" y="1723579"/>
+                <a:ext cx="736560" cy="115920"/>
+              </a:xfrm>
+              <a:prstGeom prst="rect">
+                <a:avLst/>
+              </a:prstGeom>
+            </p:spPr>
+          </p:pic>
+        </mc:Fallback>
+      </mc:AlternateContent>
+      <mc:AlternateContent xmlns:mc="http://schemas.openxmlformats.org/markup-compatibility/2006">
+        <mc:Choice xmlns:p14="http://schemas.microsoft.com/office/powerpoint/2010/main" Requires="p14">
+          <p:contentPart p14:bwMode="auto" r:id="rId4">
+            <p14:nvContentPartPr>
+              <p14:cNvPr id="5" name="Ink 4">
+                <a:extLst>
+                  <a:ext uri="{FF2B5EF4-FFF2-40B4-BE49-F238E27FC236}">
+                    <a16:creationId xmlns:a16="http://schemas.microsoft.com/office/drawing/2014/main" id="{1958F38C-18CD-4D15-8727-A7B75173A2B0}"/>
+                  </a:ext>
+                </a:extLst>
+              </p14:cNvPr>
+              <p14:cNvContentPartPr/>
+              <p14:nvPr/>
+            </p14:nvContentPartPr>
+            <p14:xfrm>
+              <a:off x="2366569" y="2157019"/>
+              <a:ext cx="759960" cy="43920"/>
+            </p14:xfrm>
+          </p:contentPart>
+        </mc:Choice>
+        <mc:Fallback>
+          <p:pic>
+            <p:nvPicPr>
+              <p:cNvPr id="5" name="Ink 4">
+                <a:extLst>
+                  <a:ext uri="{FF2B5EF4-FFF2-40B4-BE49-F238E27FC236}">
+                    <a16:creationId xmlns:a16="http://schemas.microsoft.com/office/drawing/2014/main" id="{1958F38C-18CD-4D15-8727-A7B75173A2B0}"/>
+                  </a:ext>
+                </a:extLst>
+              </p:cNvPr>
+              <p:cNvPicPr/>
+              <p:nvPr/>
+            </p:nvPicPr>
+            <p:blipFill>
+              <a:blip r:embed="rId5"/>
+              <a:stretch>
+                <a:fillRect/>
+              </a:stretch>
+            </p:blipFill>
+            <p:spPr>
+              <a:xfrm>
+                <a:off x="2357569" y="2148019"/>
+                <a:ext cx="777600" cy="61560"/>
+              </a:xfrm>
+              <a:prstGeom prst="rect">
+                <a:avLst/>
+              </a:prstGeom>
+            </p:spPr>
+          </p:pic>
+        </mc:Fallback>
+      </mc:AlternateContent>
+      <mc:AlternateContent xmlns:mc="http://schemas.openxmlformats.org/markup-compatibility/2006">
+        <mc:Choice xmlns:p14="http://schemas.microsoft.com/office/powerpoint/2010/main" Requires="p14">
+          <p:contentPart p14:bwMode="auto" r:id="rId6">
+            <p14:nvContentPartPr>
+              <p14:cNvPr id="6" name="Ink 5">
+                <a:extLst>
+                  <a:ext uri="{FF2B5EF4-FFF2-40B4-BE49-F238E27FC236}">
+                    <a16:creationId xmlns:a16="http://schemas.microsoft.com/office/drawing/2014/main" id="{561B4A7F-2C62-45FD-BB8C-AD1DB04C33B5}"/>
+                  </a:ext>
+                </a:extLst>
+              </p14:cNvPr>
+              <p14:cNvContentPartPr/>
+              <p14:nvPr/>
+            </p14:nvContentPartPr>
+            <p14:xfrm>
+              <a:off x="820009" y="2592979"/>
+              <a:ext cx="487440" cy="49680"/>
+            </p14:xfrm>
+          </p:contentPart>
+        </mc:Choice>
+        <mc:Fallback>
+          <p:pic>
+            <p:nvPicPr>
+              <p:cNvPr id="6" name="Ink 5">
+                <a:extLst>
+                  <a:ext uri="{FF2B5EF4-FFF2-40B4-BE49-F238E27FC236}">
+                    <a16:creationId xmlns:a16="http://schemas.microsoft.com/office/drawing/2014/main" id="{561B4A7F-2C62-45FD-BB8C-AD1DB04C33B5}"/>
+                  </a:ext>
+                </a:extLst>
+              </p:cNvPr>
+              <p:cNvPicPr/>
+              <p:nvPr/>
+            </p:nvPicPr>
+            <p:blipFill>
+              <a:blip r:embed="rId7"/>
+              <a:stretch>
+                <a:fillRect/>
+              </a:stretch>
+            </p:blipFill>
+            <p:spPr>
+              <a:xfrm>
+                <a:off x="811009" y="2584339"/>
+                <a:ext cx="505080" cy="67320"/>
+              </a:xfrm>
+              <a:prstGeom prst="rect">
+                <a:avLst/>
+              </a:prstGeom>
+            </p:spPr>
+          </p:pic>
+        </mc:Fallback>
+      </mc:AlternateContent>
+      <mc:AlternateContent xmlns:mc="http://schemas.openxmlformats.org/markup-compatibility/2006">
+        <mc:Choice xmlns:p14="http://schemas.microsoft.com/office/powerpoint/2010/main" Requires="p14">
+          <p:contentPart p14:bwMode="auto" r:id="rId8">
+            <p14:nvContentPartPr>
+              <p14:cNvPr id="7" name="Ink 6">
+                <a:extLst>
+                  <a:ext uri="{FF2B5EF4-FFF2-40B4-BE49-F238E27FC236}">
+                    <a16:creationId xmlns:a16="http://schemas.microsoft.com/office/drawing/2014/main" id="{2A4BF44C-9F38-4069-BB81-CD096AAE068F}"/>
+                  </a:ext>
+                </a:extLst>
+              </p14:cNvPr>
+              <p14:cNvContentPartPr/>
+              <p14:nvPr/>
+            </p14:nvContentPartPr>
+            <p14:xfrm>
+              <a:off x="858889" y="2996179"/>
+              <a:ext cx="1256400" cy="90720"/>
+            </p14:xfrm>
+          </p:contentPart>
+        </mc:Choice>
+        <mc:Fallback>
+          <p:pic>
+            <p:nvPicPr>
+              <p:cNvPr id="7" name="Ink 6">
+                <a:extLst>
+                  <a:ext uri="{FF2B5EF4-FFF2-40B4-BE49-F238E27FC236}">
+                    <a16:creationId xmlns:a16="http://schemas.microsoft.com/office/drawing/2014/main" id="{2A4BF44C-9F38-4069-BB81-CD096AAE068F}"/>
+                  </a:ext>
+                </a:extLst>
+              </p:cNvPr>
+              <p:cNvPicPr/>
+              <p:nvPr/>
+            </p:nvPicPr>
+            <p:blipFill>
+              <a:blip r:embed="rId9"/>
+              <a:stretch>
+                <a:fillRect/>
+              </a:stretch>
+            </p:blipFill>
+            <p:spPr>
+              <a:xfrm>
+                <a:off x="849889" y="2987539"/>
+                <a:ext cx="1274040" cy="108360"/>
+              </a:xfrm>
+              <a:prstGeom prst="rect">
+                <a:avLst/>
+              </a:prstGeom>
+            </p:spPr>
+          </p:pic>
+        </mc:Fallback>
+      </mc:AlternateContent>
+      <mc:AlternateContent xmlns:mc="http://schemas.openxmlformats.org/markup-compatibility/2006">
+        <mc:Choice xmlns:p14="http://schemas.microsoft.com/office/powerpoint/2010/main" Requires="p14">
+          <p:contentPart p14:bwMode="auto" r:id="rId10">
+            <p14:nvContentPartPr>
+              <p14:cNvPr id="8" name="Ink 7">
+                <a:extLst>
+                  <a:ext uri="{FF2B5EF4-FFF2-40B4-BE49-F238E27FC236}">
+                    <a16:creationId xmlns:a16="http://schemas.microsoft.com/office/drawing/2014/main" id="{5FADBB2D-88A9-42BA-8BDC-7F0840BDBDE3}"/>
+                  </a:ext>
+                </a:extLst>
+              </p14:cNvPr>
+              <p14:cNvContentPartPr/>
+              <p14:nvPr/>
+            </p14:nvContentPartPr>
+            <p14:xfrm>
+              <a:off x="5897089" y="3043339"/>
+              <a:ext cx="446040" cy="26280"/>
+            </p14:xfrm>
+          </p:contentPart>
+        </mc:Choice>
+        <mc:Fallback>
+          <p:pic>
+            <p:nvPicPr>
+              <p:cNvPr id="8" name="Ink 7">
+                <a:extLst>
+                  <a:ext uri="{FF2B5EF4-FFF2-40B4-BE49-F238E27FC236}">
+                    <a16:creationId xmlns:a16="http://schemas.microsoft.com/office/drawing/2014/main" id="{5FADBB2D-88A9-42BA-8BDC-7F0840BDBDE3}"/>
+                  </a:ext>
+                </a:extLst>
+              </p:cNvPr>
+              <p:cNvPicPr/>
+              <p:nvPr/>
+            </p:nvPicPr>
+            <p:blipFill>
+              <a:blip r:embed="rId11"/>
+              <a:stretch>
+                <a:fillRect/>
+              </a:stretch>
+            </p:blipFill>
+            <p:spPr>
+              <a:xfrm>
+                <a:off x="5888449" y="3034699"/>
+                <a:ext cx="463680" cy="43920"/>
+              </a:xfrm>
+              <a:prstGeom prst="rect">
+                <a:avLst/>
+              </a:prstGeom>
+            </p:spPr>
+          </p:pic>
+        </mc:Fallback>
+      </mc:AlternateContent>
+      <p:grpSp>
+        <p:nvGrpSpPr>
+          <p:cNvPr id="11" name="Group 10">
+            <a:extLst>
+              <a:ext uri="{FF2B5EF4-FFF2-40B4-BE49-F238E27FC236}">
+                <a16:creationId xmlns:a16="http://schemas.microsoft.com/office/drawing/2014/main" id="{D80EE658-A910-42CE-95CB-C71DB1B3643C}"/>
+              </a:ext>
+            </a:extLst>
+          </p:cNvPr>
+          <p:cNvGrpSpPr/>
+          <p:nvPr/>
+        </p:nvGrpSpPr>
+        <p:grpSpPr>
+          <a:xfrm>
+            <a:off x="1808569" y="3375619"/>
+            <a:ext cx="137160" cy="274320"/>
+            <a:chOff x="1808569" y="3375619"/>
+            <a:chExt cx="137160" cy="274320"/>
+          </a:xfrm>
+        </p:grpSpPr>
+        <mc:AlternateContent xmlns:mc="http://schemas.openxmlformats.org/markup-compatibility/2006">
+          <mc:Choice xmlns:p14="http://schemas.microsoft.com/office/powerpoint/2010/main" Requires="p14">
+            <p:contentPart p14:bwMode="auto" r:id="rId12">
+              <p14:nvContentPartPr>
+                <p14:cNvPr id="9" name="Ink 8">
+                  <a:extLst>
+                    <a:ext uri="{FF2B5EF4-FFF2-40B4-BE49-F238E27FC236}">
+                      <a16:creationId xmlns:a16="http://schemas.microsoft.com/office/drawing/2014/main" id="{B062B191-35D5-4235-B6C3-1EEAACDA064A}"/>
+                    </a:ext>
+                  </a:extLst>
+                </p14:cNvPr>
+                <p14:cNvContentPartPr/>
+                <p14:nvPr/>
+              </p14:nvContentPartPr>
+              <p14:xfrm>
+                <a:off x="1868689" y="3397939"/>
+                <a:ext cx="25200" cy="252000"/>
+              </p14:xfrm>
+            </p:contentPart>
+          </mc:Choice>
+          <mc:Fallback>
+            <p:pic>
+              <p:nvPicPr>
+                <p:cNvPr id="9" name="Ink 8">
+                  <a:extLst>
+                    <a:ext uri="{FF2B5EF4-FFF2-40B4-BE49-F238E27FC236}">
+                      <a16:creationId xmlns:a16="http://schemas.microsoft.com/office/drawing/2014/main" id="{B062B191-35D5-4235-B6C3-1EEAACDA064A}"/>
+                    </a:ext>
+                  </a:extLst>
+                </p:cNvPr>
+                <p:cNvPicPr/>
+                <p:nvPr/>
+              </p:nvPicPr>
+              <p:blipFill>
+                <a:blip r:embed="rId13"/>
+                <a:stretch>
+                  <a:fillRect/>
+                </a:stretch>
+              </p:blipFill>
+              <p:spPr>
+                <a:xfrm>
+                  <a:off x="1860049" y="3388939"/>
+                  <a:ext cx="42840" cy="269640"/>
+                </a:xfrm>
+                <a:prstGeom prst="rect">
+                  <a:avLst/>
+                </a:prstGeom>
+              </p:spPr>
+            </p:pic>
+          </mc:Fallback>
+        </mc:AlternateContent>
+        <mc:AlternateContent xmlns:mc="http://schemas.openxmlformats.org/markup-compatibility/2006">
+          <mc:Choice xmlns:p14="http://schemas.microsoft.com/office/powerpoint/2010/main" Requires="p14">
+            <p:contentPart p14:bwMode="auto" r:id="rId14">
+              <p14:nvContentPartPr>
+                <p14:cNvPr id="10" name="Ink 9">
+                  <a:extLst>
+                    <a:ext uri="{FF2B5EF4-FFF2-40B4-BE49-F238E27FC236}">
+                      <a16:creationId xmlns:a16="http://schemas.microsoft.com/office/drawing/2014/main" id="{56EDCABC-7556-477D-85C1-C243CF7DA552}"/>
+                    </a:ext>
+                  </a:extLst>
+                </p14:cNvPr>
+                <p14:cNvContentPartPr/>
+                <p14:nvPr/>
+              </p14:nvContentPartPr>
+              <p14:xfrm>
+                <a:off x="1808569" y="3375619"/>
+                <a:ext cx="137160" cy="131400"/>
+              </p14:xfrm>
+            </p:contentPart>
+          </mc:Choice>
+          <mc:Fallback>
+            <p:pic>
+              <p:nvPicPr>
+                <p:cNvPr id="10" name="Ink 9">
+                  <a:extLst>
+                    <a:ext uri="{FF2B5EF4-FFF2-40B4-BE49-F238E27FC236}">
+                      <a16:creationId xmlns:a16="http://schemas.microsoft.com/office/drawing/2014/main" id="{56EDCABC-7556-477D-85C1-C243CF7DA552}"/>
+                    </a:ext>
+                  </a:extLst>
+                </p:cNvPr>
+                <p:cNvPicPr/>
+                <p:nvPr/>
+              </p:nvPicPr>
+              <p:blipFill>
+                <a:blip r:embed="rId15"/>
+                <a:stretch>
+                  <a:fillRect/>
+                </a:stretch>
+              </p:blipFill>
+              <p:spPr>
+                <a:xfrm>
+                  <a:off x="1799929" y="3366979"/>
+                  <a:ext cx="154800" cy="149040"/>
+                </a:xfrm>
+                <a:prstGeom prst="rect">
+                  <a:avLst/>
+                </a:prstGeom>
+              </p:spPr>
+            </p:pic>
+          </mc:Fallback>
+        </mc:AlternateContent>
+      </p:grpSp>
     </p:spTree>
     <p:extLst>
       <p:ext uri="{BB962C8B-B14F-4D97-AF65-F5344CB8AC3E}">
@@ -4292,6 +4926,57 @@
           </a:p>
         </p:txBody>
       </p:sp>
+      <mc:AlternateContent xmlns:mc="http://schemas.openxmlformats.org/markup-compatibility/2006">
+        <mc:Choice xmlns:p14="http://schemas.microsoft.com/office/powerpoint/2010/main" Requires="p14">
+          <p:contentPart p14:bwMode="auto" r:id="rId2">
+            <p14:nvContentPartPr>
+              <p14:cNvPr id="4" name="Ink 3">
+                <a:extLst>
+                  <a:ext uri="{FF2B5EF4-FFF2-40B4-BE49-F238E27FC236}">
+                    <a16:creationId xmlns:a16="http://schemas.microsoft.com/office/drawing/2014/main" id="{72DA85BA-4BF3-44E5-8EE3-34CA6D649498}"/>
+                  </a:ext>
+                </a:extLst>
+              </p14:cNvPr>
+              <p14:cNvContentPartPr/>
+              <p14:nvPr/>
+            </p14:nvContentPartPr>
+            <p14:xfrm>
+              <a:off x="837289" y="1726099"/>
+              <a:ext cx="1056960" cy="73080"/>
+            </p14:xfrm>
+          </p:contentPart>
+        </mc:Choice>
+        <mc:Fallback>
+          <p:pic>
+            <p:nvPicPr>
+              <p:cNvPr id="4" name="Ink 3">
+                <a:extLst>
+                  <a:ext uri="{FF2B5EF4-FFF2-40B4-BE49-F238E27FC236}">
+                    <a16:creationId xmlns:a16="http://schemas.microsoft.com/office/drawing/2014/main" id="{72DA85BA-4BF3-44E5-8EE3-34CA6D649498}"/>
+                  </a:ext>
+                </a:extLst>
+              </p:cNvPr>
+              <p:cNvPicPr/>
+              <p:nvPr/>
+            </p:nvPicPr>
+            <p:blipFill>
+              <a:blip r:embed="rId3"/>
+              <a:stretch>
+                <a:fillRect/>
+              </a:stretch>
+            </p:blipFill>
+            <p:spPr>
+              <a:xfrm>
+                <a:off x="828289" y="1717459"/>
+                <a:ext cx="1074600" cy="90720"/>
+              </a:xfrm>
+              <a:prstGeom prst="rect">
+                <a:avLst/>
+              </a:prstGeom>
+            </p:spPr>
+          </p:pic>
+        </mc:Fallback>
+      </mc:AlternateContent>
     </p:spTree>
     <p:extLst>
       <p:ext uri="{BB962C8B-B14F-4D97-AF65-F5344CB8AC3E}">
